--- a/Daily Agendas/Day7.1_ModuleWork.pptx
+++ b/Daily Agendas/Day7.1_ModuleWork.pptx
@@ -3076,15 +3076,7 @@
           <a:p>
             <a:r>
               <a:rPr lang="en-US" dirty="0" smtClean="0"/>
-              <a:t>Module 3 Work </a:t>
-            </a:r>
-            <a:r>
-              <a:rPr lang="en-US" dirty="0" smtClean="0"/>
-              <a:t>– Mar </a:t>
-            </a:r>
-            <a:r>
-              <a:rPr lang="en-US" dirty="0" smtClean="0"/>
-              <a:t>25</a:t>
+              <a:t>Module 3 Work – Mar 25</a:t>
             </a:r>
             <a:endParaRPr lang="en-US" dirty="0"/>
           </a:p>
@@ -3127,7 +3119,31 @@
             <a:pPr lvl="2"/>
             <a:r>
               <a:rPr lang="en-CA" dirty="0" smtClean="0"/>
-              <a:t>Arjun (Today)</a:t>
+              <a:t>Alisha, </a:t>
+            </a:r>
+            <a:r>
+              <a:rPr lang="en-CA" dirty="0" err="1" smtClean="0"/>
+              <a:t>Gursimrat</a:t>
+            </a:r>
+            <a:r>
+              <a:rPr lang="en-CA" dirty="0" smtClean="0"/>
+              <a:t>, </a:t>
+            </a:r>
+            <a:r>
+              <a:rPr lang="en-CA" dirty="0" err="1" smtClean="0"/>
+              <a:t>Khushi</a:t>
+            </a:r>
+            <a:r>
+              <a:rPr lang="en-CA" dirty="0" smtClean="0"/>
+              <a:t> </a:t>
+            </a:r>
+            <a:r>
+              <a:rPr lang="en-CA" dirty="0" smtClean="0"/>
+              <a:t>(</a:t>
+            </a:r>
+            <a:r>
+              <a:rPr lang="en-CA" dirty="0" smtClean="0"/>
+              <a:t>Today&amp; Tomorrow))</a:t>
             </a:r>
             <a:endParaRPr lang="en-CA" dirty="0"/>
           </a:p>
@@ -3150,11 +3166,7 @@
             <a:pPr lvl="1"/>
             <a:r>
               <a:rPr lang="en-CA" dirty="0" smtClean="0"/>
-              <a:t>Module </a:t>
-            </a:r>
-            <a:r>
-              <a:rPr lang="en-CA" dirty="0" smtClean="0"/>
-              <a:t>B.3</a:t>
+              <a:t>Module B.3</a:t>
             </a:r>
             <a:r>
               <a:rPr lang="en-CA" dirty="0"/>
@@ -3181,11 +3193,7 @@
             <a:pPr lvl="2"/>
             <a:r>
               <a:rPr lang="en-CA" dirty="0" smtClean="0"/>
-              <a:t>Show Me Your Tic-Tac-Toe </a:t>
-            </a:r>
-            <a:r>
-              <a:rPr lang="en-CA" dirty="0" smtClean="0"/>
-              <a:t>Game</a:t>
+              <a:t>Show Me Your Tic-Tac-Toe Game</a:t>
             </a:r>
             <a:endParaRPr lang="en-CA" dirty="0"/>
           </a:p>
@@ -3211,15 +3219,7 @@
             <a:pPr lvl="1"/>
             <a:r>
               <a:rPr lang="en-US" sz="2400" dirty="0" smtClean="0"/>
-              <a:t>Tomorrow : Continue </a:t>
-            </a:r>
-            <a:r>
-              <a:rPr lang="en-US" sz="2400" dirty="0" smtClean="0"/>
-              <a:t>Module </a:t>
-            </a:r>
-            <a:r>
-              <a:rPr lang="en-US" sz="2400" smtClean="0"/>
-              <a:t>3 Work</a:t>
+              <a:t>Tomorrow : Continue Module 3 Work</a:t>
             </a:r>
             <a:endParaRPr lang="en-CA" sz="2400" dirty="0" smtClean="0"/>
           </a:p>
@@ -3428,6 +3428,13 @@
   <p:clrMapOvr>
     <a:masterClrMapping/>
   </p:clrMapOvr>
+  <p:timing>
+    <p:tnLst>
+      <p:par>
+        <p:cTn id="1" dur="indefinite" restart="never" nodeType="tmRoot"/>
+      </p:par>
+    </p:tnLst>
+  </p:timing>
 </p:sld>
 </file>
 
@@ -3567,6 +3574,13 @@
   <p:clrMapOvr>
     <a:masterClrMapping/>
   </p:clrMapOvr>
+  <p:timing>
+    <p:tnLst>
+      <p:par>
+        <p:cTn id="1" dur="indefinite" restart="never" nodeType="tmRoot"/>
+      </p:par>
+    </p:tnLst>
+  </p:timing>
 </p:sld>
 </file>
 
@@ -3668,6 +3682,13 @@
   <p:clrMapOvr>
     <a:masterClrMapping/>
   </p:clrMapOvr>
+  <p:timing>
+    <p:tnLst>
+      <p:par>
+        <p:cTn id="1" dur="indefinite" restart="never" nodeType="tmRoot"/>
+      </p:par>
+    </p:tnLst>
+  </p:timing>
 </p:sld>
 </file>
 
